--- a/Scala pattern matching.pptx
+++ b/Scala pattern matching.pptx
@@ -2153,7 +2153,7 @@
           <a:bodyPr lIns="90000" rIns="90000" tIns="46800" bIns="46800"/>
           <a:p>
             <a:pPr algn="r"/>
-            <a:fld id="{560C6BB9-4AC3-400E-91FA-F048C5408AEF}" type="slidenum">
+            <a:fld id="{986F7CB6-BD6B-4B46-B400-139020EE1159}" type="slidenum">
               <a:rPr b="0" lang="en-GB" sz="1400" spc="-1" strike="noStrike">
                 <a:solidFill>
                   <a:srgbClr val="000000"/>
@@ -4042,7 +4042,7 @@
             <a:normAutofit/>
           </a:bodyPr>
           <a:p>
-            <a:endParaRPr b="0" lang="en-GB" sz="2650" spc="-1" strike="noStrike">
+            <a:endParaRPr b="0" lang="en-GB" sz="1800" spc="-1" strike="noStrike">
               <a:solidFill>
                 <a:srgbClr val="000000"/>
               </a:solidFill>
@@ -4068,7 +4068,7 @@
                 <a:latin typeface="Consolas"/>
                 <a:ea typeface="Consolas"/>
               </a:rPr>
-              <a:t>applyOp</a:t>
+              <a:t>assert</a:t>
             </a:r>
             <a:r>
               <a:rPr b="0" lang="en-GB" sz="1800" spc="-1" strike="noStrike">
@@ -4086,6 +4086,126 @@
               <a:t>(</a:t>
             </a:r>
             <a:r>
+              <a:rPr b="0" i="1" lang="en-GB" sz="1800" spc="-1" strike="noStrike">
+                <a:solidFill>
+                  <a:srgbClr val="000000"/>
+                </a:solidFill>
+                <a:uFill>
+                  <a:solidFill>
+                    <a:srgbClr val="ffffff"/>
+                  </a:solidFill>
+                </a:uFill>
+                <a:latin typeface="Consolas"/>
+                <a:ea typeface="Consolas"/>
+              </a:rPr>
+              <a:t>calc</a:t>
+            </a:r>
+            <a:r>
+              <a:rPr b="0" lang="en-GB" sz="1800" spc="-1" strike="noStrike">
+                <a:solidFill>
+                  <a:srgbClr val="000000"/>
+                </a:solidFill>
+                <a:uFill>
+                  <a:solidFill>
+                    <a:srgbClr val="ffffff"/>
+                  </a:solidFill>
+                </a:uFill>
+                <a:latin typeface="Consolas"/>
+                <a:ea typeface="Consolas"/>
+              </a:rPr>
+              <a:t>(</a:t>
+            </a:r>
+            <a:r>
+              <a:rPr b="0" i="1" lang="en-GB" sz="1800" spc="-1" strike="noStrike">
+                <a:solidFill>
+                  <a:srgbClr val="660e7a"/>
+                </a:solidFill>
+                <a:uFill>
+                  <a:solidFill>
+                    <a:srgbClr val="ffffff"/>
+                  </a:solidFill>
+                </a:uFill>
+                <a:latin typeface="Consolas"/>
+                <a:ea typeface="Consolas"/>
+              </a:rPr>
+              <a:t>List</a:t>
+            </a:r>
+            <a:r>
+              <a:rPr b="0" lang="en-GB" sz="1800" spc="-1" strike="noStrike">
+                <a:solidFill>
+                  <a:srgbClr val="000000"/>
+                </a:solidFill>
+                <a:uFill>
+                  <a:solidFill>
+                    <a:srgbClr val="ffffff"/>
+                  </a:solidFill>
+                </a:uFill>
+                <a:latin typeface="Consolas"/>
+                <a:ea typeface="Consolas"/>
+              </a:rPr>
+              <a:t>(</a:t>
+            </a:r>
+            <a:r>
+              <a:rPr b="0" lang="en-GB" sz="1800" spc="-1" strike="noStrike">
+                <a:solidFill>
+                  <a:srgbClr val="0000ff"/>
+                </a:solidFill>
+                <a:uFill>
+                  <a:solidFill>
+                    <a:srgbClr val="ffffff"/>
+                  </a:solidFill>
+                </a:uFill>
+                <a:latin typeface="Consolas"/>
+                <a:ea typeface="Consolas"/>
+              </a:rPr>
+              <a:t>2</a:t>
+            </a:r>
+            <a:r>
+              <a:rPr b="0" lang="en-GB" sz="1800" spc="-1" strike="noStrike">
+                <a:solidFill>
+                  <a:srgbClr val="000000"/>
+                </a:solidFill>
+                <a:uFill>
+                  <a:solidFill>
+                    <a:srgbClr val="ffffff"/>
+                  </a:solidFill>
+                </a:uFill>
+                <a:latin typeface="Consolas"/>
+                <a:ea typeface="Consolas"/>
+              </a:rPr>
+              <a:t>, </a:t>
+            </a:r>
+            <a:r>
+              <a:rPr b="0" lang="en-GB" sz="1800" spc="-1" strike="noStrike">
+                <a:solidFill>
+                  <a:srgbClr val="0000ff"/>
+                </a:solidFill>
+                <a:uFill>
+                  <a:solidFill>
+                    <a:srgbClr val="ffffff"/>
+                  </a:solidFill>
+                </a:uFill>
+                <a:latin typeface="Consolas"/>
+                <a:ea typeface="Consolas"/>
+              </a:rPr>
+              <a:t>3</a:t>
+            </a:r>
+            <a:r>
+              <a:rPr b="0" lang="en-GB" sz="1800" spc="-1" strike="noStrike">
+                <a:solidFill>
+                  <a:srgbClr val="000000"/>
+                </a:solidFill>
+                <a:uFill>
+                  <a:solidFill>
+                    <a:srgbClr val="ffffff"/>
+                  </a:solidFill>
+                </a:uFill>
+                <a:latin typeface="Consolas"/>
+                <a:ea typeface="Consolas"/>
+              </a:rPr>
+              <a:t>, </a:t>
+            </a:r>
+            <a:r>
               <a:rPr b="1" lang="en-GB" sz="1800" spc="-1" strike="noStrike">
                 <a:solidFill>
                   <a:srgbClr val="008000"/>
@@ -4098,22 +4218,144 @@
                 <a:latin typeface="Consolas"/>
                 <a:ea typeface="Consolas"/>
               </a:rPr>
-              <a:t>"not"</a:t>
-            </a:r>
-            <a:r>
-              <a:rPr b="0" lang="en-GB" sz="1800" spc="-1" strike="noStrike">
-                <a:solidFill>
-                  <a:srgbClr val="000000"/>
-                </a:solidFill>
-                <a:uFill>
-                  <a:solidFill>
-                    <a:srgbClr val="ffffff"/>
-                  </a:solidFill>
-                </a:uFill>
-                <a:latin typeface="Consolas"/>
-                <a:ea typeface="Consolas"/>
-              </a:rPr>
-              <a:t>, </a:t>
+              <a:t>"+"</a:t>
+            </a:r>
+            <a:r>
+              <a:rPr b="0" lang="en-GB" sz="1800" spc="-1" strike="noStrike">
+                <a:solidFill>
+                  <a:srgbClr val="000000"/>
+                </a:solidFill>
+                <a:uFill>
+                  <a:solidFill>
+                    <a:srgbClr val="ffffff"/>
+                  </a:solidFill>
+                </a:uFill>
+                <a:latin typeface="Consolas"/>
+                <a:ea typeface="Consolas"/>
+              </a:rPr>
+              <a:t>)) == </a:t>
+            </a:r>
+            <a:r>
+              <a:rPr b="0" lang="en-GB" sz="1800" spc="-1" strike="noStrike">
+                <a:solidFill>
+                  <a:srgbClr val="0000ff"/>
+                </a:solidFill>
+                <a:uFill>
+                  <a:solidFill>
+                    <a:srgbClr val="ffffff"/>
+                  </a:solidFill>
+                </a:uFill>
+                <a:latin typeface="Consolas"/>
+                <a:ea typeface="Consolas"/>
+              </a:rPr>
+              <a:t>5</a:t>
+            </a:r>
+            <a:r>
+              <a:rPr b="0" lang="en-GB" sz="1800" spc="-1" strike="noStrike">
+                <a:solidFill>
+                  <a:srgbClr val="000000"/>
+                </a:solidFill>
+                <a:uFill>
+                  <a:solidFill>
+                    <a:srgbClr val="ffffff"/>
+                  </a:solidFill>
+                </a:uFill>
+                <a:latin typeface="Consolas"/>
+                <a:ea typeface="Consolas"/>
+              </a:rPr>
+              <a:t>)</a:t>
+            </a:r>
+            <a:br/>
+            <a:br/>
+            <a:r>
+              <a:rPr b="1" lang="en-GB" sz="1800" spc="-1" strike="noStrike">
+                <a:solidFill>
+                  <a:srgbClr val="000080"/>
+                </a:solidFill>
+                <a:uFill>
+                  <a:solidFill>
+                    <a:srgbClr val="ffffff"/>
+                  </a:solidFill>
+                </a:uFill>
+                <a:latin typeface="Consolas"/>
+                <a:ea typeface="Consolas"/>
+              </a:rPr>
+              <a:t>def </a:t>
+            </a:r>
+            <a:r>
+              <a:rPr b="0" lang="en-GB" sz="1800" spc="-1" strike="noStrike">
+                <a:solidFill>
+                  <a:srgbClr val="000000"/>
+                </a:solidFill>
+                <a:uFill>
+                  <a:solidFill>
+                    <a:srgbClr val="ffffff"/>
+                  </a:solidFill>
+                </a:uFill>
+                <a:latin typeface="Consolas"/>
+                <a:ea typeface="Consolas"/>
+              </a:rPr>
+              <a:t>calc(input: </a:t>
+            </a:r>
+            <a:r>
+              <a:rPr b="0" lang="en-GB" sz="1800" spc="-1" strike="noStrike">
+                <a:solidFill>
+                  <a:srgbClr val="20999d"/>
+                </a:solidFill>
+                <a:uFill>
+                  <a:solidFill>
+                    <a:srgbClr val="ffffff"/>
+                  </a:solidFill>
+                </a:uFill>
+                <a:latin typeface="Consolas"/>
+                <a:ea typeface="Consolas"/>
+              </a:rPr>
+              <a:t>List</a:t>
+            </a:r>
+            <a:r>
+              <a:rPr b="0" lang="en-GB" sz="1800" spc="-1" strike="noStrike">
+                <a:solidFill>
+                  <a:srgbClr val="000000"/>
+                </a:solidFill>
+                <a:uFill>
+                  <a:solidFill>
+                    <a:srgbClr val="ffffff"/>
+                  </a:solidFill>
+                </a:uFill>
+                <a:latin typeface="Consolas"/>
+                <a:ea typeface="Consolas"/>
+              </a:rPr>
+              <a:t>[Any], stack: </a:t>
+            </a:r>
+            <a:r>
+              <a:rPr b="0" lang="en-GB" sz="1800" spc="-1" strike="noStrike">
+                <a:solidFill>
+                  <a:srgbClr val="20999d"/>
+                </a:solidFill>
+                <a:uFill>
+                  <a:solidFill>
+                    <a:srgbClr val="ffffff"/>
+                  </a:solidFill>
+                </a:uFill>
+                <a:latin typeface="Consolas"/>
+                <a:ea typeface="Consolas"/>
+              </a:rPr>
+              <a:t>List</a:t>
+            </a:r>
+            <a:r>
+              <a:rPr b="0" lang="en-GB" sz="1800" spc="-1" strike="noStrike">
+                <a:solidFill>
+                  <a:srgbClr val="000000"/>
+                </a:solidFill>
+                <a:uFill>
+                  <a:solidFill>
+                    <a:srgbClr val="ffffff"/>
+                  </a:solidFill>
+                </a:uFill>
+                <a:latin typeface="Consolas"/>
+                <a:ea typeface="Consolas"/>
+              </a:rPr>
+              <a:t>[Int] = </a:t>
             </a:r>
             <a:r>
               <a:rPr b="0" i="1" lang="en-GB" sz="1800" spc="-1" strike="noStrike">
@@ -4128,385 +4370,23 @@
                 <a:latin typeface="Consolas"/>
                 <a:ea typeface="Consolas"/>
               </a:rPr>
-              <a:t>List</a:t>
-            </a:r>
-            <a:r>
-              <a:rPr b="0" lang="en-GB" sz="1800" spc="-1" strike="noStrike">
-                <a:solidFill>
-                  <a:srgbClr val="000000"/>
-                </a:solidFill>
-                <a:uFill>
-                  <a:solidFill>
-                    <a:srgbClr val="ffffff"/>
-                  </a:solidFill>
-                </a:uFill>
-                <a:latin typeface="Consolas"/>
-                <a:ea typeface="Consolas"/>
-              </a:rPr>
-              <a:t>(</a:t>
-            </a:r>
-            <a:r>
-              <a:rPr b="1" lang="en-GB" sz="1800" spc="-1" strike="noStrike">
-                <a:solidFill>
-                  <a:srgbClr val="000080"/>
-                </a:solidFill>
-                <a:uFill>
-                  <a:solidFill>
-                    <a:srgbClr val="ffffff"/>
-                  </a:solidFill>
-                </a:uFill>
-                <a:latin typeface="Consolas"/>
-                <a:ea typeface="Consolas"/>
-              </a:rPr>
-              <a:t>true</a:t>
-            </a:r>
-            <a:r>
-              <a:rPr b="0" lang="en-GB" sz="1800" spc="-1" strike="noStrike">
-                <a:solidFill>
-                  <a:srgbClr val="000000"/>
-                </a:solidFill>
-                <a:uFill>
-                  <a:solidFill>
-                    <a:srgbClr val="ffffff"/>
-                  </a:solidFill>
-                </a:uFill>
-                <a:latin typeface="Consolas"/>
-                <a:ea typeface="Consolas"/>
-              </a:rPr>
-              <a:t>, </a:t>
-            </a:r>
-            <a:r>
-              <a:rPr b="1" lang="en-GB" sz="1800" spc="-1" strike="noStrike">
-                <a:solidFill>
-                  <a:srgbClr val="000080"/>
-                </a:solidFill>
-                <a:uFill>
-                  <a:solidFill>
-                    <a:srgbClr val="ffffff"/>
-                  </a:solidFill>
-                </a:uFill>
-                <a:latin typeface="Consolas"/>
-                <a:ea typeface="Consolas"/>
-              </a:rPr>
-              <a:t>true</a:t>
-            </a:r>
-            <a:r>
-              <a:rPr b="0" lang="en-GB" sz="1800" spc="-1" strike="noStrike">
-                <a:solidFill>
-                  <a:srgbClr val="000000"/>
-                </a:solidFill>
-                <a:uFill>
-                  <a:solidFill>
-                    <a:srgbClr val="ffffff"/>
-                  </a:solidFill>
-                </a:uFill>
-                <a:latin typeface="Consolas"/>
-                <a:ea typeface="Consolas"/>
-              </a:rPr>
-              <a:t>)) === </a:t>
-            </a:r>
-            <a:r>
-              <a:rPr b="0" i="1" lang="en-GB" sz="1800" spc="-1" strike="noStrike">
-                <a:solidFill>
-                  <a:srgbClr val="660e7a"/>
-                </a:solidFill>
-                <a:uFill>
-                  <a:solidFill>
-                    <a:srgbClr val="ffffff"/>
-                  </a:solidFill>
-                </a:uFill>
-                <a:latin typeface="Consolas"/>
-                <a:ea typeface="Consolas"/>
-              </a:rPr>
-              <a:t>List</a:t>
-            </a:r>
-            <a:r>
-              <a:rPr b="0" lang="en-GB" sz="1800" spc="-1" strike="noStrike">
-                <a:solidFill>
-                  <a:srgbClr val="000000"/>
-                </a:solidFill>
-                <a:uFill>
-                  <a:solidFill>
-                    <a:srgbClr val="ffffff"/>
-                  </a:solidFill>
-                </a:uFill>
-                <a:latin typeface="Consolas"/>
-                <a:ea typeface="Consolas"/>
-              </a:rPr>
-              <a:t>(</a:t>
-            </a:r>
-            <a:r>
-              <a:rPr b="1" lang="en-GB" sz="1800" spc="-1" strike="noStrike">
-                <a:solidFill>
-                  <a:srgbClr val="000080"/>
-                </a:solidFill>
-                <a:uFill>
-                  <a:solidFill>
-                    <a:srgbClr val="ffffff"/>
-                  </a:solidFill>
-                </a:uFill>
-                <a:latin typeface="Consolas"/>
-                <a:ea typeface="Consolas"/>
-              </a:rPr>
-              <a:t>false</a:t>
-            </a:r>
-            <a:r>
-              <a:rPr b="0" lang="en-GB" sz="1800" spc="-1" strike="noStrike">
-                <a:solidFill>
-                  <a:srgbClr val="000000"/>
-                </a:solidFill>
-                <a:uFill>
-                  <a:solidFill>
-                    <a:srgbClr val="ffffff"/>
-                  </a:solidFill>
-                </a:uFill>
-                <a:latin typeface="Consolas"/>
-                <a:ea typeface="Consolas"/>
-              </a:rPr>
-              <a:t>, </a:t>
-            </a:r>
-            <a:r>
-              <a:rPr b="1" lang="en-GB" sz="1800" spc="-1" strike="noStrike">
-                <a:solidFill>
-                  <a:srgbClr val="000080"/>
-                </a:solidFill>
-                <a:uFill>
-                  <a:solidFill>
-                    <a:srgbClr val="ffffff"/>
-                  </a:solidFill>
-                </a:uFill>
-                <a:latin typeface="Consolas"/>
-                <a:ea typeface="Consolas"/>
-              </a:rPr>
-              <a:t>true</a:t>
-            </a:r>
-            <a:r>
-              <a:rPr b="0" lang="en-GB" sz="1800" spc="-1" strike="noStrike">
-                <a:solidFill>
-                  <a:srgbClr val="000000"/>
-                </a:solidFill>
-                <a:uFill>
-                  <a:solidFill>
-                    <a:srgbClr val="ffffff"/>
-                  </a:solidFill>
-                </a:uFill>
-                <a:latin typeface="Consolas"/>
-                <a:ea typeface="Consolas"/>
-              </a:rPr>
-              <a:t>)</a:t>
-            </a:r>
-            <a:br/>
-            <a:r>
-              <a:rPr b="0" i="1" lang="en-GB" sz="1800" spc="-1" strike="noStrike">
-                <a:solidFill>
-                  <a:srgbClr val="000000"/>
-                </a:solidFill>
-                <a:uFill>
-                  <a:solidFill>
-                    <a:srgbClr val="ffffff"/>
-                  </a:solidFill>
-                </a:uFill>
-                <a:latin typeface="Consolas"/>
-                <a:ea typeface="Consolas"/>
-              </a:rPr>
-              <a:t>applyOp</a:t>
-            </a:r>
-            <a:r>
-              <a:rPr b="0" lang="en-GB" sz="1800" spc="-1" strike="noStrike">
-                <a:solidFill>
-                  <a:srgbClr val="000000"/>
-                </a:solidFill>
-                <a:uFill>
-                  <a:solidFill>
-                    <a:srgbClr val="ffffff"/>
-                  </a:solidFill>
-                </a:uFill>
-                <a:latin typeface="Consolas"/>
-                <a:ea typeface="Consolas"/>
-              </a:rPr>
-              <a:t>(</a:t>
-            </a:r>
-            <a:r>
-              <a:rPr b="1" lang="en-GB" sz="1800" spc="-1" strike="noStrike">
-                <a:solidFill>
-                  <a:srgbClr val="008000"/>
-                </a:solidFill>
-                <a:uFill>
-                  <a:solidFill>
-                    <a:srgbClr val="ffffff"/>
-                  </a:solidFill>
-                </a:uFill>
-                <a:latin typeface="Consolas"/>
-                <a:ea typeface="Consolas"/>
-              </a:rPr>
-              <a:t>"and"</a:t>
-            </a:r>
-            <a:r>
-              <a:rPr b="0" lang="en-GB" sz="1800" spc="-1" strike="noStrike">
-                <a:solidFill>
-                  <a:srgbClr val="000000"/>
-                </a:solidFill>
-                <a:uFill>
-                  <a:solidFill>
-                    <a:srgbClr val="ffffff"/>
-                  </a:solidFill>
-                </a:uFill>
-                <a:latin typeface="Consolas"/>
-                <a:ea typeface="Consolas"/>
-              </a:rPr>
-              <a:t>, </a:t>
-            </a:r>
-            <a:r>
-              <a:rPr b="0" i="1" lang="en-GB" sz="1800" spc="-1" strike="noStrike">
-                <a:solidFill>
-                  <a:srgbClr val="660e7a"/>
-                </a:solidFill>
-                <a:uFill>
-                  <a:solidFill>
-                    <a:srgbClr val="ffffff"/>
-                  </a:solidFill>
-                </a:uFill>
-                <a:latin typeface="Consolas"/>
-                <a:ea typeface="Consolas"/>
-              </a:rPr>
-              <a:t>List</a:t>
-            </a:r>
-            <a:r>
-              <a:rPr b="0" lang="en-GB" sz="1800" spc="-1" strike="noStrike">
-                <a:solidFill>
-                  <a:srgbClr val="000000"/>
-                </a:solidFill>
-                <a:uFill>
-                  <a:solidFill>
-                    <a:srgbClr val="ffffff"/>
-                  </a:solidFill>
-                </a:uFill>
-                <a:latin typeface="Consolas"/>
-                <a:ea typeface="Consolas"/>
-              </a:rPr>
-              <a:t>(</a:t>
-            </a:r>
-            <a:r>
-              <a:rPr b="1" lang="en-GB" sz="1800" spc="-1" strike="noStrike">
-                <a:solidFill>
-                  <a:srgbClr val="000080"/>
-                </a:solidFill>
-                <a:uFill>
-                  <a:solidFill>
-                    <a:srgbClr val="ffffff"/>
-                  </a:solidFill>
-                </a:uFill>
-                <a:latin typeface="Consolas"/>
-                <a:ea typeface="Consolas"/>
-              </a:rPr>
-              <a:t>true</a:t>
-            </a:r>
-            <a:r>
-              <a:rPr b="0" lang="en-GB" sz="1800" spc="-1" strike="noStrike">
-                <a:solidFill>
-                  <a:srgbClr val="000000"/>
-                </a:solidFill>
-                <a:uFill>
-                  <a:solidFill>
-                    <a:srgbClr val="ffffff"/>
-                  </a:solidFill>
-                </a:uFill>
-                <a:latin typeface="Consolas"/>
-                <a:ea typeface="Consolas"/>
-              </a:rPr>
-              <a:t>, </a:t>
-            </a:r>
-            <a:r>
-              <a:rPr b="1" lang="en-GB" sz="1800" spc="-1" strike="noStrike">
-                <a:solidFill>
-                  <a:srgbClr val="000080"/>
-                </a:solidFill>
-                <a:uFill>
-                  <a:solidFill>
-                    <a:srgbClr val="ffffff"/>
-                  </a:solidFill>
-                </a:uFill>
-                <a:latin typeface="Consolas"/>
-                <a:ea typeface="Consolas"/>
-              </a:rPr>
-              <a:t>true</a:t>
-            </a:r>
-            <a:r>
-              <a:rPr b="0" lang="en-GB" sz="1800" spc="-1" strike="noStrike">
-                <a:solidFill>
-                  <a:srgbClr val="000000"/>
-                </a:solidFill>
-                <a:uFill>
-                  <a:solidFill>
-                    <a:srgbClr val="ffffff"/>
-                  </a:solidFill>
-                </a:uFill>
-                <a:latin typeface="Consolas"/>
-                <a:ea typeface="Consolas"/>
-              </a:rPr>
-              <a:t>)) === </a:t>
-            </a:r>
-            <a:r>
-              <a:rPr b="0" i="1" lang="en-GB" sz="1800" spc="-1" strike="noStrike">
-                <a:solidFill>
-                  <a:srgbClr val="660e7a"/>
-                </a:solidFill>
-                <a:uFill>
-                  <a:solidFill>
-                    <a:srgbClr val="ffffff"/>
-                  </a:solidFill>
-                </a:uFill>
-                <a:latin typeface="Consolas"/>
-                <a:ea typeface="Consolas"/>
-              </a:rPr>
-              <a:t>List</a:t>
-            </a:r>
-            <a:r>
-              <a:rPr b="0" lang="en-GB" sz="1800" spc="-1" strike="noStrike">
-                <a:solidFill>
-                  <a:srgbClr val="000000"/>
-                </a:solidFill>
-                <a:uFill>
-                  <a:solidFill>
-                    <a:srgbClr val="ffffff"/>
-                  </a:solidFill>
-                </a:uFill>
-                <a:latin typeface="Consolas"/>
-                <a:ea typeface="Consolas"/>
-              </a:rPr>
-              <a:t>(</a:t>
-            </a:r>
-            <a:r>
-              <a:rPr b="1" lang="en-GB" sz="1800" spc="-1" strike="noStrike">
-                <a:solidFill>
-                  <a:srgbClr val="000080"/>
-                </a:solidFill>
-                <a:uFill>
-                  <a:solidFill>
-                    <a:srgbClr val="ffffff"/>
-                  </a:solidFill>
-                </a:uFill>
-                <a:latin typeface="Consolas"/>
-                <a:ea typeface="Consolas"/>
-              </a:rPr>
-              <a:t>true</a:t>
-            </a:r>
-            <a:r>
-              <a:rPr b="0" lang="en-GB" sz="1800" spc="-1" strike="noStrike">
-                <a:solidFill>
-                  <a:srgbClr val="000000"/>
-                </a:solidFill>
-                <a:uFill>
-                  <a:solidFill>
-                    <a:srgbClr val="ffffff"/>
-                  </a:solidFill>
-                </a:uFill>
-                <a:latin typeface="Consolas"/>
-                <a:ea typeface="Consolas"/>
-              </a:rPr>
-              <a:t>)</a:t>
-            </a:r>
-            <a:br/>
+              <a:t>Nil</a:t>
+            </a:r>
+            <a:r>
+              <a:rPr b="0" lang="en-GB" sz="1800" spc="-1" strike="noStrike">
+                <a:solidFill>
+                  <a:srgbClr val="000000"/>
+                </a:solidFill>
+                <a:uFill>
+                  <a:solidFill>
+                    <a:srgbClr val="ffffff"/>
+                  </a:solidFill>
+                </a:uFill>
+                <a:latin typeface="Consolas"/>
+                <a:ea typeface="Consolas"/>
+              </a:rPr>
+              <a:t>): Int = {</a:t>
+            </a:r>
             <a:endParaRPr b="0" lang="en-GB" sz="1800" spc="-1" strike="noStrike">
               <a:solidFill>
                 <a:srgbClr val="000000"/>
@@ -4522,6 +4402,36 @@
           <a:p>
             <a:br/>
             <a:r>
+              <a:rPr b="0" lang="en-GB" sz="1800" spc="-1" strike="noStrike">
+                <a:solidFill>
+                  <a:srgbClr val="000000"/>
+                </a:solidFill>
+                <a:uFill>
+                  <a:solidFill>
+                    <a:srgbClr val="ffffff"/>
+                  </a:solidFill>
+                </a:uFill>
+                <a:latin typeface="Consolas"/>
+                <a:ea typeface="Consolas"/>
+              </a:rPr>
+              <a:t>  </a:t>
+            </a:r>
+            <a:r>
+              <a:rPr b="0" lang="en-GB" sz="1800" spc="-1" strike="noStrike">
+                <a:solidFill>
+                  <a:srgbClr val="000000"/>
+                </a:solidFill>
+                <a:uFill>
+                  <a:solidFill>
+                    <a:srgbClr val="ffffff"/>
+                  </a:solidFill>
+                </a:uFill>
+                <a:latin typeface="Consolas"/>
+                <a:ea typeface="Consolas"/>
+              </a:rPr>
+              <a:t>(input, stack) </a:t>
+            </a:r>
+            <a:r>
               <a:rPr b="1" lang="en-GB" sz="1800" spc="-1" strike="noStrike">
                 <a:solidFill>
                   <a:srgbClr val="000080"/>
@@ -4534,129 +4444,159 @@
                 <a:latin typeface="Consolas"/>
                 <a:ea typeface="Consolas"/>
               </a:rPr>
-              <a:t>def </a:t>
-            </a:r>
-            <a:r>
-              <a:rPr b="0" lang="en-GB" sz="1800" spc="-1" strike="noStrike">
-                <a:solidFill>
-                  <a:srgbClr val="000000"/>
-                </a:solidFill>
-                <a:uFill>
-                  <a:solidFill>
-                    <a:srgbClr val="ffffff"/>
-                  </a:solidFill>
-                </a:uFill>
-                <a:latin typeface="Consolas"/>
-                <a:ea typeface="Consolas"/>
-              </a:rPr>
-              <a:t>applyOp(op: </a:t>
-            </a:r>
-            <a:r>
-              <a:rPr b="0" lang="en-GB" sz="1800" spc="-1" strike="noStrike">
-                <a:solidFill>
-                  <a:srgbClr val="20999d"/>
-                </a:solidFill>
-                <a:uFill>
-                  <a:solidFill>
-                    <a:srgbClr val="ffffff"/>
-                  </a:solidFill>
-                </a:uFill>
-                <a:latin typeface="Consolas"/>
-                <a:ea typeface="Consolas"/>
-              </a:rPr>
-              <a:t>String</a:t>
-            </a:r>
-            <a:r>
-              <a:rPr b="0" lang="en-GB" sz="1800" spc="-1" strike="noStrike">
-                <a:solidFill>
-                  <a:srgbClr val="000000"/>
-                </a:solidFill>
-                <a:uFill>
-                  <a:solidFill>
-                    <a:srgbClr val="ffffff"/>
-                  </a:solidFill>
-                </a:uFill>
-                <a:latin typeface="Consolas"/>
-                <a:ea typeface="Consolas"/>
-              </a:rPr>
-              <a:t>, stack: </a:t>
-            </a:r>
-            <a:r>
-              <a:rPr b="0" lang="en-GB" sz="1800" spc="-1" strike="noStrike">
-                <a:solidFill>
-                  <a:srgbClr val="20999d"/>
-                </a:solidFill>
-                <a:uFill>
-                  <a:solidFill>
-                    <a:srgbClr val="ffffff"/>
-                  </a:solidFill>
-                </a:uFill>
-                <a:latin typeface="Consolas"/>
-                <a:ea typeface="Consolas"/>
-              </a:rPr>
-              <a:t>List</a:t>
-            </a:r>
-            <a:r>
-              <a:rPr b="0" lang="en-GB" sz="1800" spc="-1" strike="noStrike">
-                <a:solidFill>
-                  <a:srgbClr val="000000"/>
-                </a:solidFill>
-                <a:uFill>
-                  <a:solidFill>
-                    <a:srgbClr val="ffffff"/>
-                  </a:solidFill>
-                </a:uFill>
-                <a:latin typeface="Consolas"/>
-                <a:ea typeface="Consolas"/>
-              </a:rPr>
-              <a:t>[Boolean]) = {</a:t>
-            </a:r>
-            <a:br/>
-            <a:r>
-              <a:rPr b="0" lang="en-GB" sz="1800" spc="-1" strike="noStrike">
-                <a:solidFill>
-                  <a:srgbClr val="000000"/>
-                </a:solidFill>
-                <a:uFill>
-                  <a:solidFill>
-                    <a:srgbClr val="ffffff"/>
-                  </a:solidFill>
-                </a:uFill>
-                <a:latin typeface="Consolas"/>
-                <a:ea typeface="Consolas"/>
-              </a:rPr>
-              <a:t>  </a:t>
-            </a:r>
-            <a:br/>
+              <a:t>match </a:t>
+            </a:r>
+            <a:r>
+              <a:rPr b="0" lang="en-GB" sz="1800" spc="-1" strike="noStrike">
+                <a:solidFill>
+                  <a:srgbClr val="000000"/>
+                </a:solidFill>
+                <a:uFill>
+                  <a:solidFill>
+                    <a:srgbClr val="ffffff"/>
+                  </a:solidFill>
+                </a:uFill>
+                <a:latin typeface="Consolas"/>
+                <a:ea typeface="Consolas"/>
+              </a:rPr>
+              <a:t>{</a:t>
+            </a:r>
+            <a:br/>
+            <a:r>
+              <a:rPr b="0" lang="en-GB" sz="1800" spc="-1" strike="noStrike">
+                <a:solidFill>
+                  <a:srgbClr val="000000"/>
+                </a:solidFill>
+                <a:uFill>
+                  <a:solidFill>
+                    <a:srgbClr val="ffffff"/>
+                  </a:solidFill>
+                </a:uFill>
+                <a:latin typeface="Consolas"/>
+                <a:ea typeface="Consolas"/>
+              </a:rPr>
+              <a:t>    </a:t>
+            </a:r>
+            <a:r>
+              <a:rPr b="1" lang="en-GB" sz="1800" spc="-1" strike="noStrike">
+                <a:solidFill>
+                  <a:srgbClr val="000080"/>
+                </a:solidFill>
+                <a:uFill>
+                  <a:solidFill>
+                    <a:srgbClr val="ffffff"/>
+                  </a:solidFill>
+                </a:uFill>
+                <a:latin typeface="Consolas"/>
+                <a:ea typeface="Consolas"/>
+              </a:rPr>
+              <a:t>case </a:t>
+            </a:r>
+            <a:r>
+              <a:rPr b="0" lang="en-GB" sz="1800" spc="-1" strike="noStrike">
+                <a:solidFill>
+                  <a:srgbClr val="000000"/>
+                </a:solidFill>
+                <a:uFill>
+                  <a:solidFill>
+                    <a:srgbClr val="ffffff"/>
+                  </a:solidFill>
+                </a:uFill>
+                <a:latin typeface="Consolas"/>
+                <a:ea typeface="Consolas"/>
+              </a:rPr>
+              <a:t>(</a:t>
+            </a:r>
             <a:r>
               <a:rPr b="0" i="1" lang="en-GB" sz="1800" spc="-1" strike="noStrike">
                 <a:solidFill>
-                  <a:srgbClr val="808080"/>
-                </a:solidFill>
-                <a:uFill>
-                  <a:solidFill>
-                    <a:srgbClr val="ffffff"/>
-                  </a:solidFill>
-                </a:uFill>
-                <a:latin typeface="Consolas"/>
-                <a:ea typeface="Consolas"/>
-              </a:rPr>
-              <a:t>  </a:t>
-            </a:r>
-            <a:r>
-              <a:rPr b="0" lang="en-GB" sz="1800" spc="-1" strike="noStrike">
-                <a:solidFill>
-                  <a:srgbClr val="000000"/>
-                </a:solidFill>
-                <a:uFill>
-                  <a:solidFill>
-                    <a:srgbClr val="ffffff"/>
-                  </a:solidFill>
-                </a:uFill>
-                <a:latin typeface="Consolas"/>
-                <a:ea typeface="Consolas"/>
-              </a:rPr>
-              <a:t>(op, stack) </a:t>
+                  <a:srgbClr val="660e7a"/>
+                </a:solidFill>
+                <a:uFill>
+                  <a:solidFill>
+                    <a:srgbClr val="ffffff"/>
+                  </a:solidFill>
+                </a:uFill>
+                <a:latin typeface="Consolas"/>
+                <a:ea typeface="Consolas"/>
+              </a:rPr>
+              <a:t>Nil</a:t>
+            </a:r>
+            <a:r>
+              <a:rPr b="0" lang="en-GB" sz="1800" spc="-1" strike="noStrike">
+                <a:solidFill>
+                  <a:srgbClr val="000000"/>
+                </a:solidFill>
+                <a:uFill>
+                  <a:solidFill>
+                    <a:srgbClr val="ffffff"/>
+                  </a:solidFill>
+                </a:uFill>
+                <a:latin typeface="Consolas"/>
+                <a:ea typeface="Consolas"/>
+              </a:rPr>
+              <a:t>, arg </a:t>
+            </a:r>
+            <a:r>
+              <a:rPr b="0" i="1" lang="en-GB" sz="1800" spc="-1" strike="noStrike">
+                <a:solidFill>
+                  <a:srgbClr val="000000"/>
+                </a:solidFill>
+                <a:uFill>
+                  <a:solidFill>
+                    <a:srgbClr val="ffffff"/>
+                  </a:solidFill>
+                </a:uFill>
+                <a:latin typeface="Consolas"/>
+                <a:ea typeface="Consolas"/>
+              </a:rPr>
+              <a:t>:: </a:t>
+            </a:r>
+            <a:r>
+              <a:rPr b="0" i="1" lang="en-GB" sz="1800" spc="-1" strike="noStrike">
+                <a:solidFill>
+                  <a:srgbClr val="660e7a"/>
+                </a:solidFill>
+                <a:uFill>
+                  <a:solidFill>
+                    <a:srgbClr val="ffffff"/>
+                  </a:solidFill>
+                </a:uFill>
+                <a:latin typeface="Consolas"/>
+                <a:ea typeface="Consolas"/>
+              </a:rPr>
+              <a:t>Nil</a:t>
+            </a:r>
+            <a:r>
+              <a:rPr b="0" lang="en-GB" sz="1800" spc="-1" strike="noStrike">
+                <a:solidFill>
+                  <a:srgbClr val="000000"/>
+                </a:solidFill>
+                <a:uFill>
+                  <a:solidFill>
+                    <a:srgbClr val="ffffff"/>
+                  </a:solidFill>
+                </a:uFill>
+                <a:latin typeface="Consolas"/>
+                <a:ea typeface="Consolas"/>
+              </a:rPr>
+              <a:t>) =&gt; arg</a:t>
+            </a:r>
+            <a:br/>
+            <a:r>
+              <a:rPr b="0" lang="en-GB" sz="1800" spc="-1" strike="noStrike">
+                <a:solidFill>
+                  <a:srgbClr val="000000"/>
+                </a:solidFill>
+                <a:uFill>
+                  <a:solidFill>
+                    <a:srgbClr val="ffffff"/>
+                  </a:solidFill>
+                </a:uFill>
+                <a:latin typeface="Consolas"/>
+                <a:ea typeface="Consolas"/>
+              </a:rPr>
+              <a:t>    </a:t>
             </a:r>
             <a:r>
               <a:rPr b="1" lang="en-GB" sz="1800" spc="-1" strike="noStrike">
@@ -4671,22 +4611,142 @@
                 <a:latin typeface="Consolas"/>
                 <a:ea typeface="Consolas"/>
               </a:rPr>
-              <a:t>match </a:t>
-            </a:r>
-            <a:r>
-              <a:rPr b="0" lang="en-GB" sz="1800" spc="-1" strike="noStrike">
-                <a:solidFill>
-                  <a:srgbClr val="000000"/>
-                </a:solidFill>
-                <a:uFill>
-                  <a:solidFill>
-                    <a:srgbClr val="ffffff"/>
-                  </a:solidFill>
-                </a:uFill>
-                <a:latin typeface="Consolas"/>
-                <a:ea typeface="Consolas"/>
-              </a:rPr>
-              <a:t>{</a:t>
+              <a:t>case </a:t>
+            </a:r>
+            <a:r>
+              <a:rPr b="0" lang="en-GB" sz="1800" spc="-1" strike="noStrike">
+                <a:solidFill>
+                  <a:srgbClr val="000000"/>
+                </a:solidFill>
+                <a:uFill>
+                  <a:solidFill>
+                    <a:srgbClr val="ffffff"/>
+                  </a:solidFill>
+                </a:uFill>
+                <a:latin typeface="Consolas"/>
+                <a:ea typeface="Consolas"/>
+              </a:rPr>
+              <a:t>((num: Int) </a:t>
+            </a:r>
+            <a:r>
+              <a:rPr b="0" i="1" lang="en-GB" sz="1800" spc="-1" strike="noStrike">
+                <a:solidFill>
+                  <a:srgbClr val="000000"/>
+                </a:solidFill>
+                <a:uFill>
+                  <a:solidFill>
+                    <a:srgbClr val="ffffff"/>
+                  </a:solidFill>
+                </a:uFill>
+                <a:latin typeface="Consolas"/>
+                <a:ea typeface="Consolas"/>
+              </a:rPr>
+              <a:t>:: </a:t>
+            </a:r>
+            <a:r>
+              <a:rPr b="0" lang="en-GB" sz="1800" spc="-1" strike="noStrike">
+                <a:solidFill>
+                  <a:srgbClr val="000000"/>
+                </a:solidFill>
+                <a:uFill>
+                  <a:solidFill>
+                    <a:srgbClr val="ffffff"/>
+                  </a:solidFill>
+                </a:uFill>
+                <a:latin typeface="Consolas"/>
+                <a:ea typeface="Consolas"/>
+              </a:rPr>
+              <a:t>ins, </a:t>
+            </a:r>
+            <a:r>
+              <a:rPr b="0" lang="en-GB" sz="1800" spc="-1" strike="noStrike">
+                <a:solidFill>
+                  <a:srgbClr val="000000"/>
+                </a:solidFill>
+                <a:uFill>
+                  <a:solidFill>
+                    <a:srgbClr val="ffffff"/>
+                  </a:solidFill>
+                </a:uFill>
+                <a:latin typeface="Consolas"/>
+                <a:ea typeface="Consolas"/>
+              </a:rPr>
+              <a:t>nums</a:t>
+            </a:r>
+            <a:r>
+              <a:rPr b="0" lang="en-GB" sz="1800" spc="-1" strike="noStrike">
+                <a:solidFill>
+                  <a:srgbClr val="000000"/>
+                </a:solidFill>
+                <a:uFill>
+                  <a:solidFill>
+                    <a:srgbClr val="ffffff"/>
+                  </a:solidFill>
+                </a:uFill>
+                <a:latin typeface="Consolas"/>
+                <a:ea typeface="Consolas"/>
+              </a:rPr>
+              <a:t>) =&gt; </a:t>
+            </a:r>
+            <a:r>
+              <a:rPr b="0" i="1" lang="en-GB" sz="1800" spc="-1" strike="noStrike">
+                <a:solidFill>
+                  <a:srgbClr val="000000"/>
+                </a:solidFill>
+                <a:uFill>
+                  <a:solidFill>
+                    <a:srgbClr val="ffffff"/>
+                  </a:solidFill>
+                </a:uFill>
+                <a:latin typeface="Consolas"/>
+                <a:ea typeface="Consolas"/>
+              </a:rPr>
+              <a:t>calc</a:t>
+            </a:r>
+            <a:r>
+              <a:rPr b="0" lang="en-GB" sz="1800" spc="-1" strike="noStrike">
+                <a:solidFill>
+                  <a:srgbClr val="000000"/>
+                </a:solidFill>
+                <a:uFill>
+                  <a:solidFill>
+                    <a:srgbClr val="ffffff"/>
+                  </a:solidFill>
+                </a:uFill>
+                <a:latin typeface="Consolas"/>
+                <a:ea typeface="Consolas"/>
+              </a:rPr>
+              <a:t>(ins, num :: </a:t>
+            </a:r>
+            <a:r>
+              <a:rPr b="0" lang="en-GB" sz="1800" spc="-1" strike="noStrike">
+                <a:solidFill>
+                  <a:srgbClr val="000000"/>
+                </a:solidFill>
+                <a:uFill>
+                  <a:solidFill>
+                    <a:srgbClr val="ffffff"/>
+                  </a:solidFill>
+                </a:uFill>
+                <a:latin typeface="Consolas"/>
+                <a:ea typeface="Consolas"/>
+              </a:rPr>
+              <a:t>nums</a:t>
+            </a:r>
+            <a:r>
+              <a:rPr b="0" lang="en-GB" sz="1800" spc="-1" strike="noStrike">
+                <a:solidFill>
+                  <a:srgbClr val="000000"/>
+                </a:solidFill>
+                <a:uFill>
+                  <a:solidFill>
+                    <a:srgbClr val="ffffff"/>
+                  </a:solidFill>
+                </a:uFill>
+                <a:latin typeface="Consolas"/>
+                <a:ea typeface="Consolas"/>
+              </a:rPr>
+              <a:t>)</a:t>
             </a:r>
             <a:br/>
             <a:r>
@@ -4747,22 +4807,7 @@
                 <a:latin typeface="Consolas"/>
                 <a:ea typeface="Consolas"/>
               </a:rPr>
-              <a:t>"not"</a:t>
-            </a:r>
-            <a:r>
-              <a:rPr b="0" lang="en-GB" sz="1800" spc="-1" strike="noStrike">
-                <a:solidFill>
-                  <a:srgbClr val="000000"/>
-                </a:solidFill>
-                <a:uFill>
-                  <a:solidFill>
-                    <a:srgbClr val="ffffff"/>
-                  </a:solidFill>
-                </a:uFill>
-                <a:latin typeface="Consolas"/>
-                <a:ea typeface="Consolas"/>
-              </a:rPr>
-              <a:t>, arg1 </a:t>
+              <a:t>"+" </a:t>
             </a:r>
             <a:r>
               <a:rPr b="0" i="1" lang="en-GB" sz="1800" spc="-1" strike="noStrike">
@@ -4792,83 +4837,7 @@
                 <a:latin typeface="Consolas"/>
                 <a:ea typeface="Consolas"/>
               </a:rPr>
-              <a:t>tail) =&gt; !arg1 :: tail</a:t>
-            </a:r>
-            <a:br/>
-            <a:r>
-              <a:rPr b="0" lang="en-GB" sz="1800" spc="-1" strike="noStrike">
-                <a:solidFill>
-                  <a:srgbClr val="000000"/>
-                </a:solidFill>
-                <a:uFill>
-                  <a:solidFill>
-                    <a:srgbClr val="ffffff"/>
-                  </a:solidFill>
-                </a:uFill>
-                <a:latin typeface="Consolas"/>
-                <a:ea typeface="Consolas"/>
-              </a:rPr>
-              <a:t>    </a:t>
-            </a:r>
-            <a:r>
-              <a:rPr b="1" lang="en-GB" sz="1800" spc="-1" strike="noStrike">
-                <a:solidFill>
-                  <a:srgbClr val="000080"/>
-                </a:solidFill>
-                <a:uFill>
-                  <a:solidFill>
-                    <a:srgbClr val="ffffff"/>
-                  </a:solidFill>
-                </a:uFill>
-                <a:latin typeface="Consolas"/>
-                <a:ea typeface="Consolas"/>
-              </a:rPr>
-              <a:t>case </a:t>
-            </a:r>
-            <a:r>
-              <a:rPr b="0" lang="en-GB" sz="1800" spc="-1" strike="noStrike">
-                <a:solidFill>
-                  <a:srgbClr val="000000"/>
-                </a:solidFill>
-                <a:uFill>
-                  <a:solidFill>
-                    <a:srgbClr val="ffffff"/>
-                  </a:solidFill>
-                </a:uFill>
-                <a:latin typeface="Consolas"/>
-                <a:ea typeface="Consolas"/>
-              </a:rPr>
-              <a:t>(</a:t>
-            </a:r>
-            <a:r>
-              <a:rPr b="1" lang="en-GB" sz="1800" spc="-1" strike="noStrike">
-                <a:solidFill>
-                  <a:srgbClr val="008000"/>
-                </a:solidFill>
-                <a:uFill>
-                  <a:solidFill>
-                    <a:srgbClr val="ffffff"/>
-                  </a:solidFill>
-                </a:uFill>
-                <a:latin typeface="Consolas"/>
-                <a:ea typeface="Consolas"/>
-              </a:rPr>
-              <a:t>"and"</a:t>
-            </a:r>
-            <a:r>
-              <a:rPr b="0" lang="en-GB" sz="1800" spc="-1" strike="noStrike">
-                <a:solidFill>
-                  <a:srgbClr val="000000"/>
-                </a:solidFill>
-                <a:uFill>
-                  <a:solidFill>
-                    <a:srgbClr val="ffffff"/>
-                  </a:solidFill>
-                </a:uFill>
-                <a:latin typeface="Consolas"/>
-                <a:ea typeface="Consolas"/>
-              </a:rPr>
-              <a:t>, arg1 </a:t>
+              <a:t>ins, n1 </a:t>
             </a:r>
             <a:r>
               <a:rPr b="0" i="1" lang="en-GB" sz="1800" spc="-1" strike="noStrike">
@@ -4898,7 +4867,7 @@
                 <a:latin typeface="Consolas"/>
                 <a:ea typeface="Consolas"/>
               </a:rPr>
-              <a:t>arg2 </a:t>
+              <a:t>n2 </a:t>
             </a:r>
             <a:r>
               <a:rPr b="0" i="1" lang="en-GB" sz="1800" spc="-1" strike="noStrike">
@@ -4928,83 +4897,7 @@
                 <a:latin typeface="Consolas"/>
                 <a:ea typeface="Consolas"/>
               </a:rPr>
-              <a:t>tail) =&gt; (arg1 &amp;&amp; arg2) :: tail</a:t>
-            </a:r>
-            <a:br/>
-            <a:r>
-              <a:rPr b="0" lang="en-GB" sz="1800" spc="-1" strike="noStrike">
-                <a:solidFill>
-                  <a:srgbClr val="000000"/>
-                </a:solidFill>
-                <a:uFill>
-                  <a:solidFill>
-                    <a:srgbClr val="ffffff"/>
-                  </a:solidFill>
-                </a:uFill>
-                <a:latin typeface="Consolas"/>
-                <a:ea typeface="Consolas"/>
-              </a:rPr>
-              <a:t>    </a:t>
-            </a:r>
-            <a:r>
-              <a:rPr b="1" lang="en-GB" sz="1800" spc="-1" strike="noStrike">
-                <a:solidFill>
-                  <a:srgbClr val="000080"/>
-                </a:solidFill>
-                <a:uFill>
-                  <a:solidFill>
-                    <a:srgbClr val="ffffff"/>
-                  </a:solidFill>
-                </a:uFill>
-                <a:latin typeface="Consolas"/>
-                <a:ea typeface="Consolas"/>
-              </a:rPr>
-              <a:t>case </a:t>
-            </a:r>
-            <a:r>
-              <a:rPr b="0" lang="en-GB" sz="1800" spc="-1" strike="noStrike">
-                <a:solidFill>
-                  <a:srgbClr val="000000"/>
-                </a:solidFill>
-                <a:uFill>
-                  <a:solidFill>
-                    <a:srgbClr val="ffffff"/>
-                  </a:solidFill>
-                </a:uFill>
-                <a:latin typeface="Consolas"/>
-                <a:ea typeface="Consolas"/>
-              </a:rPr>
-              <a:t>(</a:t>
-            </a:r>
-            <a:r>
-              <a:rPr b="1" lang="en-GB" sz="1800" spc="-1" strike="noStrike">
-                <a:solidFill>
-                  <a:srgbClr val="008000"/>
-                </a:solidFill>
-                <a:uFill>
-                  <a:solidFill>
-                    <a:srgbClr val="ffffff"/>
-                  </a:solidFill>
-                </a:uFill>
-                <a:latin typeface="Consolas"/>
-                <a:ea typeface="Consolas"/>
-              </a:rPr>
-              <a:t>"or"</a:t>
-            </a:r>
-            <a:r>
-              <a:rPr b="0" lang="en-GB" sz="1800" spc="-1" strike="noStrike">
-                <a:solidFill>
-                  <a:srgbClr val="000000"/>
-                </a:solidFill>
-                <a:uFill>
-                  <a:solidFill>
-                    <a:srgbClr val="ffffff"/>
-                  </a:solidFill>
-                </a:uFill>
-                <a:latin typeface="Consolas"/>
-                <a:ea typeface="Consolas"/>
-              </a:rPr>
-              <a:t>,  arg1 </a:t>
+              <a:t>nums) =&gt; </a:t>
             </a:r>
             <a:r>
               <a:rPr b="0" i="1" lang="en-GB" sz="1800" spc="-1" strike="noStrike">
@@ -5019,52 +4912,22 @@
                 <a:latin typeface="Consolas"/>
                 <a:ea typeface="Consolas"/>
               </a:rPr>
-              <a:t>:: </a:t>
-            </a:r>
-            <a:r>
-              <a:rPr b="0" lang="en-GB" sz="1800" spc="-1" strike="noStrike">
-                <a:solidFill>
-                  <a:srgbClr val="000000"/>
-                </a:solidFill>
-                <a:uFill>
-                  <a:solidFill>
-                    <a:srgbClr val="ffffff"/>
-                  </a:solidFill>
-                </a:uFill>
-                <a:latin typeface="Consolas"/>
-                <a:ea typeface="Consolas"/>
-              </a:rPr>
-              <a:t>arg2 </a:t>
-            </a:r>
-            <a:r>
-              <a:rPr b="0" i="1" lang="en-GB" sz="1800" spc="-1" strike="noStrike">
-                <a:solidFill>
-                  <a:srgbClr val="000000"/>
-                </a:solidFill>
-                <a:uFill>
-                  <a:solidFill>
-                    <a:srgbClr val="ffffff"/>
-                  </a:solidFill>
-                </a:uFill>
-                <a:latin typeface="Consolas"/>
-                <a:ea typeface="Consolas"/>
-              </a:rPr>
-              <a:t>:: </a:t>
-            </a:r>
-            <a:r>
-              <a:rPr b="0" lang="en-GB" sz="1800" spc="-1" strike="noStrike">
-                <a:solidFill>
-                  <a:srgbClr val="000000"/>
-                </a:solidFill>
-                <a:uFill>
-                  <a:solidFill>
-                    <a:srgbClr val="ffffff"/>
-                  </a:solidFill>
-                </a:uFill>
-                <a:latin typeface="Consolas"/>
-                <a:ea typeface="Consolas"/>
-              </a:rPr>
-              <a:t>tail) =&gt; (arg1 || arg2) :: tail</a:t>
+              <a:t>calc</a:t>
+            </a:r>
+            <a:r>
+              <a:rPr b="0" lang="en-GB" sz="1800" spc="-1" strike="noStrike">
+                <a:solidFill>
+                  <a:srgbClr val="000000"/>
+                </a:solidFill>
+                <a:uFill>
+                  <a:solidFill>
+                    <a:srgbClr val="ffffff"/>
+                  </a:solidFill>
+                </a:uFill>
+                <a:latin typeface="Consolas"/>
+                <a:ea typeface="Consolas"/>
+              </a:rPr>
+              <a:t>(ins, (n1 + n2) :: nums)</a:t>
             </a:r>
             <a:br/>
             <a:r>
@@ -7104,7 +6967,7 @@
             <a:normAutofit/>
           </a:bodyPr>
           <a:p>
-            <a:endParaRPr b="0" lang="en-GB" sz="1800" spc="-1" strike="noStrike">
+            <a:endParaRPr b="0" lang="en-GB" sz="2650" spc="-1" strike="noStrike">
               <a:solidFill>
                 <a:srgbClr val="000000"/>
               </a:solidFill>
@@ -7508,22 +7371,7 @@
                 <a:latin typeface="Consolas"/>
                 <a:ea typeface="Consolas"/>
               </a:rPr>
-              <a:t>=&gt; </a:t>
-            </a:r>
-            <a:r>
-              <a:rPr b="0" lang="en-GB" sz="1800" spc="-1" strike="noStrike">
-                <a:solidFill>
-                  <a:srgbClr val="000000"/>
-                </a:solidFill>
-                <a:uFill>
-                  <a:solidFill>
-                    <a:srgbClr val="ffffff"/>
-                  </a:solidFill>
-                </a:uFill>
-                <a:latin typeface="Consolas"/>
-                <a:ea typeface="Consolas"/>
-              </a:rPr>
-              <a:t>name</a:t>
+              <a:t>=&gt; name</a:t>
             </a:r>
             <a:br/>
             <a:r>
@@ -9977,6 +9825,29 @@
               <a:buFont typeface="Arial"/>
               <a:buChar char="•"/>
             </a:pPr>
+            <a:endParaRPr b="0" lang="en-GB" sz="2650" spc="-1" strike="noStrike">
+              <a:solidFill>
+                <a:srgbClr val="000000"/>
+              </a:solidFill>
+              <a:uFill>
+                <a:solidFill>
+                  <a:srgbClr val="ffffff"/>
+                </a:solidFill>
+              </a:uFill>
+              <a:latin typeface="Arial"/>
+            </a:endParaRPr>
+          </a:p>
+          <a:p>
+            <a:pPr marL="342720" indent="-342720">
+              <a:spcBef>
+                <a:spcPts val="660"/>
+              </a:spcBef>
+              <a:buClr>
+                <a:srgbClr val="000000"/>
+              </a:buClr>
+              <a:buFont typeface="Arial"/>
+              <a:buChar char="•"/>
+            </a:pPr>
             <a:r>
               <a:rPr b="0" lang="en-GB" sz="2650" spc="-1" strike="noStrike">
                 <a:solidFill>
@@ -12247,6 +12118,446 @@
             <a:normAutofit/>
           </a:bodyPr>
           <a:p>
+            <a:endParaRPr b="0" lang="en-GB" sz="2650" spc="-1" strike="noStrike">
+              <a:solidFill>
+                <a:srgbClr val="000000"/>
+              </a:solidFill>
+              <a:uFill>
+                <a:solidFill>
+                  <a:srgbClr val="ffffff"/>
+                </a:solidFill>
+              </a:uFill>
+              <a:latin typeface="Arial"/>
+            </a:endParaRPr>
+          </a:p>
+          <a:p>
+            <a:r>
+              <a:rPr b="1" i="1" lang="en-GB" sz="1600" spc="-1" strike="noStrike">
+                <a:solidFill>
+                  <a:srgbClr val="000080"/>
+                </a:solidFill>
+                <a:uFill>
+                  <a:solidFill>
+                    <a:srgbClr val="ffffff"/>
+                  </a:solidFill>
+                </a:uFill>
+                <a:latin typeface="Consolas"/>
+                <a:ea typeface="Consolas"/>
+              </a:rPr>
+              <a:t>case class </a:t>
+            </a:r>
+            <a:r>
+              <a:rPr b="0" i="1" lang="en-GB" sz="1600" spc="-1" strike="noStrike">
+                <a:solidFill>
+                  <a:srgbClr val="000000"/>
+                </a:solidFill>
+                <a:uFill>
+                  <a:solidFill>
+                    <a:srgbClr val="ffffff"/>
+                  </a:solidFill>
+                </a:uFill>
+                <a:latin typeface="Consolas"/>
+                <a:ea typeface="Consolas"/>
+              </a:rPr>
+              <a:t>Header(name: </a:t>
+            </a:r>
+            <a:r>
+              <a:rPr b="0" i="1" lang="en-GB" sz="1600" spc="-1" strike="noStrike">
+                <a:solidFill>
+                  <a:srgbClr val="20999d"/>
+                </a:solidFill>
+                <a:uFill>
+                  <a:solidFill>
+                    <a:srgbClr val="ffffff"/>
+                  </a:solidFill>
+                </a:uFill>
+                <a:latin typeface="Consolas"/>
+                <a:ea typeface="Consolas"/>
+              </a:rPr>
+              <a:t>String</a:t>
+            </a:r>
+            <a:r>
+              <a:rPr b="0" i="1" lang="en-GB" sz="1600" spc="-1" strike="noStrike">
+                <a:solidFill>
+                  <a:srgbClr val="000000"/>
+                </a:solidFill>
+                <a:uFill>
+                  <a:solidFill>
+                    <a:srgbClr val="ffffff"/>
+                  </a:solidFill>
+                </a:uFill>
+                <a:latin typeface="Consolas"/>
+                <a:ea typeface="Consolas"/>
+              </a:rPr>
+              <a:t>, value: </a:t>
+            </a:r>
+            <a:r>
+              <a:rPr b="0" i="1" lang="en-GB" sz="1600" spc="-1" strike="noStrike">
+                <a:solidFill>
+                  <a:srgbClr val="20999d"/>
+                </a:solidFill>
+                <a:uFill>
+                  <a:solidFill>
+                    <a:srgbClr val="ffffff"/>
+                  </a:solidFill>
+                </a:uFill>
+                <a:latin typeface="Consolas"/>
+                <a:ea typeface="Consolas"/>
+              </a:rPr>
+              <a:t>String</a:t>
+            </a:r>
+            <a:r>
+              <a:rPr b="0" i="1" lang="en-GB" sz="1600" spc="-1" strike="noStrike">
+                <a:solidFill>
+                  <a:srgbClr val="000000"/>
+                </a:solidFill>
+                <a:uFill>
+                  <a:solidFill>
+                    <a:srgbClr val="ffffff"/>
+                  </a:solidFill>
+                </a:uFill>
+                <a:latin typeface="Consolas"/>
+                <a:ea typeface="Consolas"/>
+              </a:rPr>
+              <a:t>)</a:t>
+            </a:r>
+            <a:br/>
+            <a:br/>
+            <a:r>
+              <a:rPr b="0" i="1" lang="en-GB" sz="1600" spc="-1" strike="noStrike">
+                <a:solidFill>
+                  <a:srgbClr val="808080"/>
+                </a:solidFill>
+                <a:uFill>
+                  <a:solidFill>
+                    <a:srgbClr val="ffffff"/>
+                  </a:solidFill>
+                </a:uFill>
+                <a:latin typeface="Consolas"/>
+                <a:ea typeface="Consolas"/>
+              </a:rPr>
+              <a:t>// Aladdin:OpenSesame</a:t>
+            </a:r>
+            <a:br/>
+            <a:r>
+              <a:rPr b="1" i="1" lang="en-GB" sz="1600" spc="-1" strike="noStrike">
+                <a:solidFill>
+                  <a:srgbClr val="000080"/>
+                </a:solidFill>
+                <a:uFill>
+                  <a:solidFill>
+                    <a:srgbClr val="ffffff"/>
+                  </a:solidFill>
+                </a:uFill>
+                <a:latin typeface="Consolas"/>
+                <a:ea typeface="Consolas"/>
+              </a:rPr>
+              <a:t>private val </a:t>
+            </a:r>
+            <a:r>
+              <a:rPr b="0" i="1" lang="en-GB" sz="1600" spc="-1" strike="noStrike">
+                <a:solidFill>
+                  <a:srgbClr val="660e7a"/>
+                </a:solidFill>
+                <a:uFill>
+                  <a:solidFill>
+                    <a:srgbClr val="ffffff"/>
+                  </a:solidFill>
+                </a:uFill>
+                <a:latin typeface="Consolas"/>
+                <a:ea typeface="Consolas"/>
+              </a:rPr>
+              <a:t>basic </a:t>
+            </a:r>
+            <a:r>
+              <a:rPr b="0" i="1" lang="en-GB" sz="1600" spc="-1" strike="noStrike">
+                <a:solidFill>
+                  <a:srgbClr val="000000"/>
+                </a:solidFill>
+                <a:uFill>
+                  <a:solidFill>
+                    <a:srgbClr val="ffffff"/>
+                  </a:solidFill>
+                </a:uFill>
+                <a:latin typeface="Consolas"/>
+                <a:ea typeface="Consolas"/>
+              </a:rPr>
+              <a:t>= Header(</a:t>
+            </a:r>
+            <a:r>
+              <a:rPr b="1" i="1" lang="en-GB" sz="1600" spc="-1" strike="noStrike">
+                <a:solidFill>
+                  <a:srgbClr val="008000"/>
+                </a:solidFill>
+                <a:uFill>
+                  <a:solidFill>
+                    <a:srgbClr val="ffffff"/>
+                  </a:solidFill>
+                </a:uFill>
+                <a:latin typeface="Consolas"/>
+                <a:ea typeface="Consolas"/>
+              </a:rPr>
+              <a:t>"Authorization"</a:t>
+            </a:r>
+            <a:r>
+              <a:rPr b="0" i="1" lang="en-GB" sz="1600" spc="-1" strike="noStrike">
+                <a:solidFill>
+                  <a:srgbClr val="000000"/>
+                </a:solidFill>
+                <a:uFill>
+                  <a:solidFill>
+                    <a:srgbClr val="ffffff"/>
+                  </a:solidFill>
+                </a:uFill>
+                <a:latin typeface="Consolas"/>
+                <a:ea typeface="Consolas"/>
+              </a:rPr>
+              <a:t>, </a:t>
+            </a:r>
+            <a:r>
+              <a:rPr b="1" i="1" lang="en-GB" sz="1600" spc="-1" strike="noStrike">
+                <a:solidFill>
+                  <a:srgbClr val="008000"/>
+                </a:solidFill>
+                <a:uFill>
+                  <a:solidFill>
+                    <a:srgbClr val="ffffff"/>
+                  </a:solidFill>
+                </a:uFill>
+                <a:latin typeface="Consolas"/>
+                <a:ea typeface="Consolas"/>
+              </a:rPr>
+              <a:t>"Basic QWxhZGRpbjpPcGVuU2VzYW1l"</a:t>
+            </a:r>
+            <a:r>
+              <a:rPr b="0" i="1" lang="en-GB" sz="1600" spc="-1" strike="noStrike">
+                <a:solidFill>
+                  <a:srgbClr val="000000"/>
+                </a:solidFill>
+                <a:uFill>
+                  <a:solidFill>
+                    <a:srgbClr val="ffffff"/>
+                  </a:solidFill>
+                </a:uFill>
+                <a:latin typeface="Consolas"/>
+                <a:ea typeface="Consolas"/>
+              </a:rPr>
+              <a:t>)</a:t>
+            </a:r>
+            <a:br/>
+            <a:br/>
+            <a:r>
+              <a:rPr b="0" i="1" lang="en-GB" sz="1600" spc="-1" strike="noStrike">
+                <a:solidFill>
+                  <a:srgbClr val="808080"/>
+                </a:solidFill>
+                <a:uFill>
+                  <a:solidFill>
+                    <a:srgbClr val="ffffff"/>
+                  </a:solidFill>
+                </a:uFill>
+                <a:latin typeface="Consolas"/>
+                <a:ea typeface="Consolas"/>
+              </a:rPr>
+              <a:t>// { "name" : "John Doe" }</a:t>
+            </a:r>
+            <a:br/>
+            <a:r>
+              <a:rPr b="1" i="1" lang="en-GB" sz="1600" spc="-1" strike="noStrike">
+                <a:solidFill>
+                  <a:srgbClr val="000080"/>
+                </a:solidFill>
+                <a:uFill>
+                  <a:solidFill>
+                    <a:srgbClr val="ffffff"/>
+                  </a:solidFill>
+                </a:uFill>
+                <a:latin typeface="Consolas"/>
+                <a:ea typeface="Consolas"/>
+              </a:rPr>
+              <a:t>private val </a:t>
+            </a:r>
+            <a:r>
+              <a:rPr b="0" i="1" lang="en-GB" sz="1600" spc="-1" strike="noStrike">
+                <a:solidFill>
+                  <a:srgbClr val="660e7a"/>
+                </a:solidFill>
+                <a:uFill>
+                  <a:solidFill>
+                    <a:srgbClr val="ffffff"/>
+                  </a:solidFill>
+                </a:uFill>
+                <a:latin typeface="Consolas"/>
+                <a:ea typeface="Consolas"/>
+              </a:rPr>
+              <a:t>jwt </a:t>
+            </a:r>
+            <a:r>
+              <a:rPr b="0" i="1" lang="en-GB" sz="1600" spc="-1" strike="noStrike">
+                <a:solidFill>
+                  <a:srgbClr val="000000"/>
+                </a:solidFill>
+                <a:uFill>
+                  <a:solidFill>
+                    <a:srgbClr val="ffffff"/>
+                  </a:solidFill>
+                </a:uFill>
+                <a:latin typeface="Consolas"/>
+                <a:ea typeface="Consolas"/>
+              </a:rPr>
+              <a:t>= Header(</a:t>
+            </a:r>
+            <a:r>
+              <a:rPr b="1" i="1" lang="en-GB" sz="1600" spc="-1" strike="noStrike">
+                <a:solidFill>
+                  <a:srgbClr val="008000"/>
+                </a:solidFill>
+                <a:uFill>
+                  <a:solidFill>
+                    <a:srgbClr val="ffffff"/>
+                  </a:solidFill>
+                </a:uFill>
+                <a:latin typeface="Consolas"/>
+                <a:ea typeface="Consolas"/>
+              </a:rPr>
+              <a:t>"Authorization"</a:t>
+            </a:r>
+            <a:r>
+              <a:rPr b="0" i="1" lang="en-GB" sz="1600" spc="-1" strike="noStrike">
+                <a:solidFill>
+                  <a:srgbClr val="000000"/>
+                </a:solidFill>
+                <a:uFill>
+                  <a:solidFill>
+                    <a:srgbClr val="ffffff"/>
+                  </a:solidFill>
+                </a:uFill>
+                <a:latin typeface="Consolas"/>
+                <a:ea typeface="Consolas"/>
+              </a:rPr>
+              <a:t>, </a:t>
+            </a:r>
+            <a:r>
+              <a:rPr b="1" i="1" lang="en-GB" sz="1600" spc="-1" strike="noStrike">
+                <a:solidFill>
+                  <a:srgbClr val="008000"/>
+                </a:solidFill>
+                <a:uFill>
+                  <a:solidFill>
+                    <a:srgbClr val="ffffff"/>
+                  </a:solidFill>
+                </a:uFill>
+                <a:latin typeface="Consolas"/>
+                <a:ea typeface="Consolas"/>
+              </a:rPr>
+              <a:t>"Bearer </a:t>
+            </a:r>
+            <a:r>
+              <a:rPr b="1" i="1" lang="en-GB" sz="1600" spc="-1" strike="noStrike">
+                <a:solidFill>
+                  <a:srgbClr val="ff3333"/>
+                </a:solidFill>
+                <a:uFill>
+                  <a:solidFill>
+                    <a:srgbClr val="ffffff"/>
+                  </a:solidFill>
+                </a:uFill>
+                <a:latin typeface="Consolas"/>
+                <a:ea typeface="Consolas"/>
+              </a:rPr>
+              <a:t>eyJh...CJ9</a:t>
+            </a:r>
+            <a:r>
+              <a:rPr b="1" i="1" lang="en-GB" sz="1600" spc="-1" strike="noStrike">
+                <a:solidFill>
+                  <a:srgbClr val="008000"/>
+                </a:solidFill>
+                <a:uFill>
+                  <a:solidFill>
+                    <a:srgbClr val="ffffff"/>
+                  </a:solidFill>
+                </a:uFill>
+                <a:latin typeface="Consolas"/>
+                <a:ea typeface="Consolas"/>
+              </a:rPr>
+              <a:t>.</a:t>
+            </a:r>
+            <a:r>
+              <a:rPr b="1" i="1" lang="en-GB" sz="1600" spc="-1" strike="noStrike">
+                <a:solidFill>
+                  <a:srgbClr val="800080"/>
+                </a:solidFill>
+                <a:uFill>
+                  <a:solidFill>
+                    <a:srgbClr val="ffffff"/>
+                  </a:solidFill>
+                </a:uFill>
+                <a:latin typeface="Consolas"/>
+                <a:ea typeface="Consolas"/>
+              </a:rPr>
+              <a:t>eyJ...ifQ</a:t>
+            </a:r>
+            <a:r>
+              <a:rPr b="1" i="1" lang="en-GB" sz="1600" spc="-1" strike="noStrike">
+                <a:solidFill>
+                  <a:srgbClr val="008000"/>
+                </a:solidFill>
+                <a:uFill>
+                  <a:solidFill>
+                    <a:srgbClr val="ffffff"/>
+                  </a:solidFill>
+                </a:uFill>
+                <a:latin typeface="Consolas"/>
+                <a:ea typeface="Consolas"/>
+              </a:rPr>
+              <a:t>.</a:t>
+            </a:r>
+            <a:r>
+              <a:rPr b="1" i="1" lang="en-GB" sz="1600" spc="-1" strike="noStrike">
+                <a:solidFill>
+                  <a:srgbClr val="2300dc"/>
+                </a:solidFill>
+                <a:uFill>
+                  <a:solidFill>
+                    <a:srgbClr val="ffffff"/>
+                  </a:solidFill>
+                </a:uFill>
+                <a:latin typeface="Consolas"/>
+                <a:ea typeface="Consolas"/>
+              </a:rPr>
+              <a:t>xu...ds</a:t>
+            </a:r>
+            <a:r>
+              <a:rPr b="1" i="1" lang="en-GB" sz="1600" spc="-1" strike="noStrike">
+                <a:solidFill>
+                  <a:srgbClr val="008000"/>
+                </a:solidFill>
+                <a:uFill>
+                  <a:solidFill>
+                    <a:srgbClr val="ffffff"/>
+                  </a:solidFill>
+                </a:uFill>
+                <a:latin typeface="Consolas"/>
+                <a:ea typeface="Consolas"/>
+              </a:rPr>
+              <a:t>"</a:t>
+            </a:r>
+            <a:r>
+              <a:rPr b="0" i="1" lang="en-GB" sz="1600" spc="-1" strike="noStrike">
+                <a:solidFill>
+                  <a:srgbClr val="000000"/>
+                </a:solidFill>
+                <a:uFill>
+                  <a:solidFill>
+                    <a:srgbClr val="ffffff"/>
+                  </a:solidFill>
+                </a:uFill>
+                <a:latin typeface="Consolas"/>
+                <a:ea typeface="Consolas"/>
+              </a:rPr>
+              <a:t>)</a:t>
+            </a:r>
+            <a:br/>
             <a:endParaRPr b="0" lang="en-GB" sz="1600" spc="-1" strike="noStrike">
               <a:solidFill>
                 <a:srgbClr val="000000"/>
@@ -12260,20 +12571,66 @@
             </a:endParaRPr>
           </a:p>
           <a:p>
+            <a:br/>
+            <a:r>
+              <a:rPr b="0" i="1" lang="en-GB" sz="1600" spc="-1" strike="noStrike">
+                <a:solidFill>
+                  <a:srgbClr val="000000"/>
+                </a:solidFill>
+                <a:uFill>
+                  <a:solidFill>
+                    <a:srgbClr val="ffffff"/>
+                  </a:solidFill>
+                </a:uFill>
+                <a:latin typeface="Consolas"/>
+                <a:ea typeface="Consolas"/>
+              </a:rPr>
+              <a:t>assert(getPrincipal(</a:t>
+            </a:r>
+            <a:r>
+              <a:rPr b="0" i="1" lang="en-GB" sz="1600" spc="-1" strike="noStrike">
+                <a:solidFill>
+                  <a:srgbClr val="660e7a"/>
+                </a:solidFill>
+                <a:uFill>
+                  <a:solidFill>
+                    <a:srgbClr val="ffffff"/>
+                  </a:solidFill>
+                </a:uFill>
+                <a:latin typeface="Consolas"/>
+                <a:ea typeface="Consolas"/>
+              </a:rPr>
+              <a:t>basic</a:t>
+            </a:r>
+            <a:r>
+              <a:rPr b="0" i="1" lang="en-GB" sz="1600" spc="-1" strike="noStrike">
+                <a:solidFill>
+                  <a:srgbClr val="000000"/>
+                </a:solidFill>
+                <a:uFill>
+                  <a:solidFill>
+                    <a:srgbClr val="ffffff"/>
+                  </a:solidFill>
+                </a:uFill>
+                <a:latin typeface="Consolas"/>
+                <a:ea typeface="Consolas"/>
+              </a:rPr>
+              <a:t>) == </a:t>
+            </a:r>
             <a:r>
               <a:rPr b="1" i="1" lang="en-GB" sz="1600" spc="-1" strike="noStrike">
                 <a:solidFill>
-                  <a:srgbClr val="000080"/>
-                </a:solidFill>
-                <a:uFill>
-                  <a:solidFill>
-                    <a:srgbClr val="ffffff"/>
-                  </a:solidFill>
-                </a:uFill>
-                <a:latin typeface="Consolas"/>
-                <a:ea typeface="Consolas"/>
-              </a:rPr>
-              <a:t>case class </a:t>
+                  <a:srgbClr val="008000"/>
+                </a:solidFill>
+                <a:uFill>
+                  <a:solidFill>
+                    <a:srgbClr val="ffffff"/>
+                  </a:solidFill>
+                </a:uFill>
+                <a:latin typeface="Consolas"/>
+                <a:ea typeface="Consolas"/>
+              </a:rPr>
+              <a:t>"Aladdin"</a:t>
             </a:r>
             <a:r>
               <a:rPr b="0" i="1" lang="en-GB" sz="1600" spc="-1" strike="noStrike">
@@ -12288,539 +12645,23 @@
                 <a:latin typeface="Consolas"/>
                 <a:ea typeface="Consolas"/>
               </a:rPr>
-              <a:t>Header(name: </a:t>
-            </a:r>
+              <a:t>)</a:t>
+            </a:r>
+            <a:br/>
             <a:r>
               <a:rPr b="0" i="1" lang="en-GB" sz="1600" spc="-1" strike="noStrike">
                 <a:solidFill>
-                  <a:srgbClr val="20999d"/>
-                </a:solidFill>
-                <a:uFill>
-                  <a:solidFill>
-                    <a:srgbClr val="ffffff"/>
-                  </a:solidFill>
-                </a:uFill>
-                <a:latin typeface="Consolas"/>
-                <a:ea typeface="Consolas"/>
-              </a:rPr>
-              <a:t>String</a:t>
-            </a:r>
-            <a:r>
-              <a:rPr b="0" i="1" lang="en-GB" sz="1600" spc="-1" strike="noStrike">
-                <a:solidFill>
-                  <a:srgbClr val="000000"/>
-                </a:solidFill>
-                <a:uFill>
-                  <a:solidFill>
-                    <a:srgbClr val="ffffff"/>
-                  </a:solidFill>
-                </a:uFill>
-                <a:latin typeface="Consolas"/>
-                <a:ea typeface="Consolas"/>
-              </a:rPr>
-              <a:t>, value: </a:t>
-            </a:r>
-            <a:r>
-              <a:rPr b="0" i="1" lang="en-GB" sz="1600" spc="-1" strike="noStrike">
-                <a:solidFill>
-                  <a:srgbClr val="20999d"/>
-                </a:solidFill>
-                <a:uFill>
-                  <a:solidFill>
-                    <a:srgbClr val="ffffff"/>
-                  </a:solidFill>
-                </a:uFill>
-                <a:latin typeface="Consolas"/>
-                <a:ea typeface="Consolas"/>
-              </a:rPr>
-              <a:t>String</a:t>
-            </a:r>
-            <a:r>
-              <a:rPr b="0" i="1" lang="en-GB" sz="1600" spc="-1" strike="noStrike">
-                <a:solidFill>
-                  <a:srgbClr val="000000"/>
-                </a:solidFill>
-                <a:uFill>
-                  <a:solidFill>
-                    <a:srgbClr val="ffffff"/>
-                  </a:solidFill>
-                </a:uFill>
-                <a:latin typeface="Consolas"/>
-                <a:ea typeface="Consolas"/>
-              </a:rPr>
-              <a:t>)</a:t>
-            </a:r>
-            <a:br/>
-            <a:br/>
-            <a:r>
-              <a:rPr b="0" i="1" lang="en-GB" sz="1600" spc="-1" strike="noStrike">
-                <a:solidFill>
-                  <a:srgbClr val="808080"/>
-                </a:solidFill>
-                <a:uFill>
-                  <a:solidFill>
-                    <a:srgbClr val="ffffff"/>
-                  </a:solidFill>
-                </a:uFill>
-                <a:latin typeface="Consolas"/>
-                <a:ea typeface="Consolas"/>
-              </a:rPr>
-              <a:t>// Aladdin:OpenSesame</a:t>
-            </a:r>
-            <a:br/>
-            <a:r>
-              <a:rPr b="1" i="1" lang="en-GB" sz="1600" spc="-1" strike="noStrike">
-                <a:solidFill>
-                  <a:srgbClr val="000080"/>
-                </a:solidFill>
-                <a:uFill>
-                  <a:solidFill>
-                    <a:srgbClr val="ffffff"/>
-                  </a:solidFill>
-                </a:uFill>
-                <a:latin typeface="Consolas"/>
-                <a:ea typeface="Consolas"/>
-              </a:rPr>
-              <a:t>private val </a:t>
-            </a:r>
-            <a:r>
-              <a:rPr b="0" i="1" lang="en-GB" sz="1600" spc="-1" strike="noStrike">
-                <a:solidFill>
-                  <a:srgbClr val="660e7a"/>
-                </a:solidFill>
-                <a:uFill>
-                  <a:solidFill>
-                    <a:srgbClr val="ffffff"/>
-                  </a:solidFill>
-                </a:uFill>
-                <a:latin typeface="Consolas"/>
-                <a:ea typeface="Consolas"/>
-              </a:rPr>
-              <a:t>basic </a:t>
-            </a:r>
-            <a:r>
-              <a:rPr b="0" i="1" lang="en-GB" sz="1600" spc="-1" strike="noStrike">
-                <a:solidFill>
-                  <a:srgbClr val="000000"/>
-                </a:solidFill>
-                <a:uFill>
-                  <a:solidFill>
-                    <a:srgbClr val="ffffff"/>
-                  </a:solidFill>
-                </a:uFill>
-                <a:latin typeface="Consolas"/>
-                <a:ea typeface="Consolas"/>
-              </a:rPr>
-              <a:t>= Header(</a:t>
-            </a:r>
-            <a:r>
-              <a:rPr b="1" i="1" lang="en-GB" sz="1600" spc="-1" strike="noStrike">
-                <a:solidFill>
-                  <a:srgbClr val="008000"/>
-                </a:solidFill>
-                <a:uFill>
-                  <a:solidFill>
-                    <a:srgbClr val="ffffff"/>
-                  </a:solidFill>
-                </a:uFill>
-                <a:latin typeface="Consolas"/>
-                <a:ea typeface="Consolas"/>
-              </a:rPr>
-              <a:t>"Authorization"</a:t>
-            </a:r>
-            <a:r>
-              <a:rPr b="0" i="1" lang="en-GB" sz="1600" spc="-1" strike="noStrike">
-                <a:solidFill>
-                  <a:srgbClr val="000000"/>
-                </a:solidFill>
-                <a:uFill>
-                  <a:solidFill>
-                    <a:srgbClr val="ffffff"/>
-                  </a:solidFill>
-                </a:uFill>
-                <a:latin typeface="Consolas"/>
-                <a:ea typeface="Consolas"/>
-              </a:rPr>
-              <a:t>, </a:t>
-            </a:r>
-            <a:r>
-              <a:rPr b="1" i="1" lang="en-GB" sz="1600" spc="-1" strike="noStrike">
-                <a:solidFill>
-                  <a:srgbClr val="008000"/>
-                </a:solidFill>
-                <a:uFill>
-                  <a:solidFill>
-                    <a:srgbClr val="ffffff"/>
-                  </a:solidFill>
-                </a:uFill>
-                <a:latin typeface="Consolas"/>
-                <a:ea typeface="Consolas"/>
-              </a:rPr>
-              <a:t>"Basic QWxhZGRpbjpPcGVuU2VzYW1l"</a:t>
-            </a:r>
-            <a:r>
-              <a:rPr b="0" i="1" lang="en-GB" sz="1600" spc="-1" strike="noStrike">
-                <a:solidFill>
-                  <a:srgbClr val="000000"/>
-                </a:solidFill>
-                <a:uFill>
-                  <a:solidFill>
-                    <a:srgbClr val="ffffff"/>
-                  </a:solidFill>
-                </a:uFill>
-                <a:latin typeface="Consolas"/>
-                <a:ea typeface="Consolas"/>
-              </a:rPr>
-              <a:t>)</a:t>
-            </a:r>
-            <a:br/>
-            <a:br/>
-            <a:r>
-              <a:rPr b="0" i="1" lang="en-GB" sz="1600" spc="-1" strike="noStrike">
-                <a:solidFill>
-                  <a:srgbClr val="808080"/>
-                </a:solidFill>
-                <a:uFill>
-                  <a:solidFill>
-                    <a:srgbClr val="ffffff"/>
-                  </a:solidFill>
-                </a:uFill>
-                <a:latin typeface="Consolas"/>
-                <a:ea typeface="Consolas"/>
-              </a:rPr>
-              <a:t>// { "name" : "John Doe" }</a:t>
-            </a:r>
-            <a:br/>
-            <a:r>
-              <a:rPr b="1" i="1" lang="en-GB" sz="1600" spc="-1" strike="noStrike">
-                <a:solidFill>
-                  <a:srgbClr val="000080"/>
-                </a:solidFill>
-                <a:uFill>
-                  <a:solidFill>
-                    <a:srgbClr val="ffffff"/>
-                  </a:solidFill>
-                </a:uFill>
-                <a:latin typeface="Consolas"/>
-                <a:ea typeface="Consolas"/>
-              </a:rPr>
-              <a:t>private val </a:t>
-            </a:r>
-            <a:r>
-              <a:rPr b="0" i="1" lang="en-GB" sz="1600" spc="-1" strike="noStrike">
-                <a:solidFill>
-                  <a:srgbClr val="660e7a"/>
-                </a:solidFill>
-                <a:uFill>
-                  <a:solidFill>
-                    <a:srgbClr val="ffffff"/>
-                  </a:solidFill>
-                </a:uFill>
-                <a:latin typeface="Consolas"/>
-                <a:ea typeface="Consolas"/>
-              </a:rPr>
-              <a:t>jwt </a:t>
-            </a:r>
-            <a:r>
-              <a:rPr b="0" i="1" lang="en-GB" sz="1600" spc="-1" strike="noStrike">
-                <a:solidFill>
-                  <a:srgbClr val="000000"/>
-                </a:solidFill>
-                <a:uFill>
-                  <a:solidFill>
-                    <a:srgbClr val="ffffff"/>
-                  </a:solidFill>
-                </a:uFill>
-                <a:latin typeface="Consolas"/>
-                <a:ea typeface="Consolas"/>
-              </a:rPr>
-              <a:t>= Header(</a:t>
-            </a:r>
-            <a:r>
-              <a:rPr b="1" i="1" lang="en-GB" sz="1600" spc="-1" strike="noStrike">
-                <a:solidFill>
-                  <a:srgbClr val="008000"/>
-                </a:solidFill>
-                <a:uFill>
-                  <a:solidFill>
-                    <a:srgbClr val="ffffff"/>
-                  </a:solidFill>
-                </a:uFill>
-                <a:latin typeface="Consolas"/>
-                <a:ea typeface="Consolas"/>
-              </a:rPr>
-              <a:t>"Authorization"</a:t>
-            </a:r>
-            <a:r>
-              <a:rPr b="0" i="1" lang="en-GB" sz="1600" spc="-1" strike="noStrike">
-                <a:solidFill>
-                  <a:srgbClr val="000000"/>
-                </a:solidFill>
-                <a:uFill>
-                  <a:solidFill>
-                    <a:srgbClr val="ffffff"/>
-                  </a:solidFill>
-                </a:uFill>
-                <a:latin typeface="Consolas"/>
-                <a:ea typeface="Consolas"/>
-              </a:rPr>
-              <a:t>, </a:t>
-            </a:r>
-            <a:r>
-              <a:rPr b="1" i="1" lang="en-GB" sz="1600" spc="-1" strike="noStrike">
-                <a:solidFill>
-                  <a:srgbClr val="008000"/>
-                </a:solidFill>
-                <a:uFill>
-                  <a:solidFill>
-                    <a:srgbClr val="ffffff"/>
-                  </a:solidFill>
-                </a:uFill>
-                <a:latin typeface="Consolas"/>
-                <a:ea typeface="Consolas"/>
-              </a:rPr>
-              <a:t>"Bearer </a:t>
-            </a:r>
-            <a:r>
-              <a:rPr b="1" i="1" lang="en-GB" sz="1600" spc="-1" strike="noStrike">
-                <a:solidFill>
-                  <a:srgbClr val="ff3333"/>
-                </a:solidFill>
-                <a:uFill>
-                  <a:solidFill>
-                    <a:srgbClr val="ffffff"/>
-                  </a:solidFill>
-                </a:uFill>
-                <a:latin typeface="Consolas"/>
-                <a:ea typeface="Consolas"/>
-              </a:rPr>
-              <a:t>eyJh...CJ9</a:t>
-            </a:r>
-            <a:r>
-              <a:rPr b="1" i="1" lang="en-GB" sz="1600" spc="-1" strike="noStrike">
-                <a:solidFill>
-                  <a:srgbClr val="008000"/>
-                </a:solidFill>
-                <a:uFill>
-                  <a:solidFill>
-                    <a:srgbClr val="ffffff"/>
-                  </a:solidFill>
-                </a:uFill>
-                <a:latin typeface="Consolas"/>
-                <a:ea typeface="Consolas"/>
-              </a:rPr>
-              <a:t>.</a:t>
-            </a:r>
-            <a:r>
-              <a:rPr b="1" i="1" lang="en-GB" sz="1600" spc="-1" strike="noStrike">
-                <a:solidFill>
-                  <a:srgbClr val="800080"/>
-                </a:solidFill>
-                <a:uFill>
-                  <a:solidFill>
-                    <a:srgbClr val="ffffff"/>
-                  </a:solidFill>
-                </a:uFill>
-                <a:latin typeface="Consolas"/>
-                <a:ea typeface="Consolas"/>
-              </a:rPr>
-              <a:t>eyJ...ifQ</a:t>
-            </a:r>
-            <a:r>
-              <a:rPr b="1" i="1" lang="en-GB" sz="1600" spc="-1" strike="noStrike">
-                <a:solidFill>
-                  <a:srgbClr val="008000"/>
-                </a:solidFill>
-                <a:uFill>
-                  <a:solidFill>
-                    <a:srgbClr val="ffffff"/>
-                  </a:solidFill>
-                </a:uFill>
-                <a:latin typeface="Consolas"/>
-                <a:ea typeface="Consolas"/>
-              </a:rPr>
-              <a:t>.</a:t>
-            </a:r>
-            <a:r>
-              <a:rPr b="1" i="1" lang="en-GB" sz="1600" spc="-1" strike="noStrike">
-                <a:solidFill>
-                  <a:srgbClr val="2300dc"/>
-                </a:solidFill>
-                <a:uFill>
-                  <a:solidFill>
-                    <a:srgbClr val="ffffff"/>
-                  </a:solidFill>
-                </a:uFill>
-                <a:latin typeface="Consolas"/>
-                <a:ea typeface="Consolas"/>
-              </a:rPr>
-              <a:t>xu...ds</a:t>
-            </a:r>
-            <a:r>
-              <a:rPr b="1" i="1" lang="en-GB" sz="1600" spc="-1" strike="noStrike">
-                <a:solidFill>
-                  <a:srgbClr val="008000"/>
-                </a:solidFill>
-                <a:uFill>
-                  <a:solidFill>
-                    <a:srgbClr val="ffffff"/>
-                  </a:solidFill>
-                </a:uFill>
-                <a:latin typeface="Consolas"/>
-                <a:ea typeface="Consolas"/>
-              </a:rPr>
-              <a:t>"</a:t>
-            </a:r>
-            <a:r>
-              <a:rPr b="0" i="1" lang="en-GB" sz="1600" spc="-1" strike="noStrike">
-                <a:solidFill>
-                  <a:srgbClr val="000000"/>
-                </a:solidFill>
-                <a:uFill>
-                  <a:solidFill>
-                    <a:srgbClr val="ffffff"/>
-                  </a:solidFill>
-                </a:uFill>
-                <a:latin typeface="Consolas"/>
-                <a:ea typeface="Consolas"/>
-              </a:rPr>
-              <a:t>)</a:t>
-            </a:r>
-            <a:br/>
-            <a:endParaRPr b="0" lang="en-GB" sz="1600" spc="-1" strike="noStrike">
-              <a:solidFill>
-                <a:srgbClr val="000000"/>
-              </a:solidFill>
-              <a:uFill>
-                <a:solidFill>
-                  <a:srgbClr val="ffffff"/>
-                </a:solidFill>
-              </a:uFill>
-              <a:latin typeface="Arial"/>
-            </a:endParaRPr>
-          </a:p>
-          <a:p>
-            <a:br/>
-            <a:r>
-              <a:rPr b="0" i="1" lang="en-GB" sz="1600" spc="-1" strike="noStrike">
-                <a:solidFill>
-                  <a:srgbClr val="000000"/>
-                </a:solidFill>
-                <a:uFill>
-                  <a:solidFill>
-                    <a:srgbClr val="ffffff"/>
-                  </a:solidFill>
-                </a:uFill>
-                <a:latin typeface="Consolas"/>
-                <a:ea typeface="Consolas"/>
-              </a:rPr>
-              <a:t>assert(getPrincipal</a:t>
-            </a:r>
-            <a:r>
-              <a:rPr b="0" i="1" lang="en-GB" sz="1600" spc="-1" strike="noStrike">
-                <a:solidFill>
-                  <a:srgbClr val="000000"/>
-                </a:solidFill>
-                <a:uFill>
-                  <a:solidFill>
-                    <a:srgbClr val="ffffff"/>
-                  </a:solidFill>
-                </a:uFill>
-                <a:latin typeface="Consolas"/>
-                <a:ea typeface="Consolas"/>
-              </a:rPr>
-              <a:t>(</a:t>
-            </a:r>
-            <a:r>
-              <a:rPr b="0" i="1" lang="en-GB" sz="1600" spc="-1" strike="noStrike">
-                <a:solidFill>
-                  <a:srgbClr val="660e7a"/>
-                </a:solidFill>
-                <a:uFill>
-                  <a:solidFill>
-                    <a:srgbClr val="ffffff"/>
-                  </a:solidFill>
-                </a:uFill>
-                <a:latin typeface="Consolas"/>
-                <a:ea typeface="Consolas"/>
-              </a:rPr>
-              <a:t>basic</a:t>
-            </a:r>
-            <a:r>
-              <a:rPr b="0" i="1" lang="en-GB" sz="1600" spc="-1" strike="noStrike">
-                <a:solidFill>
-                  <a:srgbClr val="000000"/>
-                </a:solidFill>
-                <a:uFill>
-                  <a:solidFill>
-                    <a:srgbClr val="ffffff"/>
-                  </a:solidFill>
-                </a:uFill>
-                <a:latin typeface="Consolas"/>
-                <a:ea typeface="Consolas"/>
-              </a:rPr>
-              <a:t>) == </a:t>
-            </a:r>
-            <a:r>
-              <a:rPr b="1" i="1" lang="en-GB" sz="1600" spc="-1" strike="noStrike">
-                <a:solidFill>
-                  <a:srgbClr val="008000"/>
-                </a:solidFill>
-                <a:uFill>
-                  <a:solidFill>
-                    <a:srgbClr val="ffffff"/>
-                  </a:solidFill>
-                </a:uFill>
-                <a:latin typeface="Consolas"/>
-                <a:ea typeface="Consolas"/>
-              </a:rPr>
-              <a:t>"Aladdin"</a:t>
-            </a:r>
-            <a:r>
-              <a:rPr b="0" i="1" lang="en-GB" sz="1600" spc="-1" strike="noStrike">
-                <a:solidFill>
-                  <a:srgbClr val="000000"/>
-                </a:solidFill>
-                <a:uFill>
-                  <a:solidFill>
-                    <a:srgbClr val="ffffff"/>
-                  </a:solidFill>
-                </a:uFill>
-                <a:latin typeface="Consolas"/>
-                <a:ea typeface="Consolas"/>
-              </a:rPr>
-              <a:t>)</a:t>
-            </a:r>
-            <a:br/>
-            <a:r>
-              <a:rPr b="0" i="1" lang="en-GB" sz="1600" spc="-1" strike="noStrike">
-                <a:solidFill>
-                  <a:srgbClr val="000000"/>
-                </a:solidFill>
-                <a:uFill>
-                  <a:solidFill>
-                    <a:srgbClr val="ffffff"/>
-                  </a:solidFill>
-                </a:uFill>
-                <a:latin typeface="Consolas"/>
-                <a:ea typeface="Consolas"/>
-              </a:rPr>
-              <a:t>assert</a:t>
-            </a:r>
-            <a:r>
-              <a:rPr b="0" i="1" lang="en-GB" sz="1600" spc="-1" strike="noStrike">
-                <a:solidFill>
-                  <a:srgbClr val="000000"/>
-                </a:solidFill>
-                <a:uFill>
-                  <a:solidFill>
-                    <a:srgbClr val="ffffff"/>
-                  </a:solidFill>
-                </a:uFill>
-                <a:latin typeface="Consolas"/>
-                <a:ea typeface="Consolas"/>
-              </a:rPr>
-              <a:t>(getPrincipal(</a:t>
+                  <a:srgbClr val="000000"/>
+                </a:solidFill>
+                <a:uFill>
+                  <a:solidFill>
+                    <a:srgbClr val="ffffff"/>
+                  </a:solidFill>
+                </a:uFill>
+                <a:latin typeface="Consolas"/>
+                <a:ea typeface="Consolas"/>
+              </a:rPr>
+              <a:t>assert(getPrincipal(</a:t>
             </a:r>
             <a:r>
               <a:rPr b="0" i="1" lang="en-GB" sz="1600" spc="-1" strike="noStrike">
@@ -13030,7 +12871,7 @@
             <a:normAutofit/>
           </a:bodyPr>
           <a:p>
-            <a:endParaRPr b="0" lang="en-GB" sz="1600" spc="-1" strike="noStrike">
+            <a:endParaRPr b="0" lang="en-GB" sz="2650" spc="-1" strike="noStrike">
               <a:solidFill>
                 <a:srgbClr val="000000"/>
               </a:solidFill>
@@ -13877,7 +13718,7 @@
             <a:normAutofit/>
           </a:bodyPr>
           <a:p>
-            <a:endParaRPr b="0" lang="en-GB" sz="1800" spc="-1" strike="noStrike">
+            <a:endParaRPr b="0" lang="en-GB" sz="2650" spc="-1" strike="noStrike">
               <a:solidFill>
                 <a:srgbClr val="000000"/>
               </a:solidFill>
